--- a/English Scratch Cards with extra margin for printing/fly-cards.pptx
+++ b/English Scratch Cards with extra margin for printing/fly-cards.pptx
@@ -277,7 +277,7 @@
           <a:p>
             <a:fld id="{1D8BD707-D9CF-40AE-B4C6-C98DA3205C09}" type="datetimeFigureOut">
               <a:rPr lang="en-US"/>
-              <a:t>1/29/2021</a:t>
+              <a:t>2/7/2021</a:t>
             </a:fld>
             <a:endParaRPr lang="en-US"/>
           </a:p>
@@ -452,7 +452,7 @@
           <a:p>
             <a:fld id="{1D8BD707-D9CF-40AE-B4C6-C98DA3205C09}" type="datetimeFigureOut">
               <a:rPr lang="en-US"/>
-              <a:t>1/29/2021</a:t>
+              <a:t>2/7/2021</a:t>
             </a:fld>
             <a:endParaRPr lang="en-US"/>
           </a:p>
@@ -666,7 +666,7 @@
           <a:p>
             <a:fld id="{1D8BD707-D9CF-40AE-B4C6-C98DA3205C09}" type="datetimeFigureOut">
               <a:rPr lang="en-US"/>
-              <a:t>1/29/2021</a:t>
+              <a:t>2/7/2021</a:t>
             </a:fld>
             <a:endParaRPr lang="en-US"/>
           </a:p>
@@ -814,7 +814,7 @@
           <a:p>
             <a:fld id="{1D8BD707-D9CF-40AE-B4C6-C98DA3205C09}" type="datetimeFigureOut">
               <a:rPr lang="en-US"/>
-              <a:t>1/29/2021</a:t>
+              <a:t>2/7/2021</a:t>
             </a:fld>
             <a:endParaRPr lang="en-US"/>
           </a:p>
@@ -933,7 +933,7 @@
           <a:p>
             <a:fld id="{1D8BD707-D9CF-40AE-B4C6-C98DA3205C09}" type="datetimeFigureOut">
               <a:rPr lang="en-US"/>
-              <a:t>1/29/2021</a:t>
+              <a:t>2/7/2021</a:t>
             </a:fld>
             <a:endParaRPr lang="en-US"/>
           </a:p>
@@ -1156,7 +1156,7 @@
           <a:p>
             <a:fld id="{1D8BD707-D9CF-40AE-B4C6-C98DA3205C09}" type="datetimeFigureOut">
               <a:rPr lang="en-US"/>
-              <a:t>1/29/2021</a:t>
+              <a:t>2/7/2021</a:t>
             </a:fld>
             <a:endParaRPr lang="en-US"/>
           </a:p>
@@ -10995,6 +10995,51 @@
           </a:p>
         </p:txBody>
       </p:sp>
+      <p:sp>
+        <p:nvSpPr>
+          <p:cNvPr id="54" name="Tekstvak 58">
+            <a:extLst>
+              <a:ext uri="{FF2B5EF4-FFF2-40B4-BE49-F238E27FC236}">
+                <a16:creationId xmlns:a16="http://schemas.microsoft.com/office/drawing/2014/main" id="{95DC521A-AC6A-4B3A-A60A-EFA6BAEFD2B6}"/>
+              </a:ext>
+            </a:extLst>
+          </p:cNvPr>
+          <p:cNvSpPr txBox="1"/>
+          <p:nvPr/>
+        </p:nvSpPr>
+        <p:spPr>
+          <a:xfrm rot="16200000">
+            <a:off x="3968637" y="5917507"/>
+            <a:ext cx="1401783" cy="379510"/>
+          </a:xfrm>
+          <a:prstGeom prst="rect">
+            <a:avLst/>
+          </a:prstGeom>
+          <a:noFill/>
+        </p:spPr>
+        <p:txBody>
+          <a:bodyPr wrap="square" tIns="0" bIns="280800" rtlCol="0" anchor="b" anchorCtr="0">
+            <a:spAutoFit/>
+          </a:bodyPr>
+          <a:lstStyle/>
+          <a:p>
+            <a:pPr algn="r"/>
+            <a:r>
+              <a:rPr lang="en-US" sz="600" dirty="0" err="1">
+                <a:solidFill>
+                  <a:srgbClr val="F26882"/>
+                </a:solidFill>
+              </a:rPr>
+              <a:t>yyyymmdd</a:t>
+            </a:r>
+            <a:endParaRPr lang="en-US" sz="600" dirty="0">
+              <a:solidFill>
+                <a:srgbClr val="F26882"/>
+              </a:solidFill>
+            </a:endParaRPr>
+          </a:p>
+        </p:txBody>
+      </p:sp>
     </p:spTree>
   </p:cSld>
   <p:clrMapOvr>
@@ -14182,6 +14227,51 @@
           </a:p>
         </p:txBody>
       </p:sp>
+      <p:sp>
+        <p:nvSpPr>
+          <p:cNvPr id="15" name="Tekstvak 58">
+            <a:extLst>
+              <a:ext uri="{FF2B5EF4-FFF2-40B4-BE49-F238E27FC236}">
+                <a16:creationId xmlns:a16="http://schemas.microsoft.com/office/drawing/2014/main" id="{8B266C19-3BBD-449D-9B6D-58A3DDB5E101}"/>
+              </a:ext>
+            </a:extLst>
+          </p:cNvPr>
+          <p:cNvSpPr txBox="1"/>
+          <p:nvPr/>
+        </p:nvSpPr>
+        <p:spPr>
+          <a:xfrm rot="16200000">
+            <a:off x="3968637" y="5917507"/>
+            <a:ext cx="1401783" cy="379510"/>
+          </a:xfrm>
+          <a:prstGeom prst="rect">
+            <a:avLst/>
+          </a:prstGeom>
+          <a:noFill/>
+        </p:spPr>
+        <p:txBody>
+          <a:bodyPr wrap="square" tIns="0" bIns="280800" rtlCol="0" anchor="b" anchorCtr="0">
+            <a:spAutoFit/>
+          </a:bodyPr>
+          <a:lstStyle/>
+          <a:p>
+            <a:pPr algn="r"/>
+            <a:r>
+              <a:rPr lang="en-US" sz="600" dirty="0" err="1">
+                <a:solidFill>
+                  <a:srgbClr val="F26882"/>
+                </a:solidFill>
+              </a:rPr>
+              <a:t>yyyymmdd</a:t>
+            </a:r>
+            <a:endParaRPr lang="en-US" sz="600" dirty="0">
+              <a:solidFill>
+                <a:srgbClr val="F26882"/>
+              </a:solidFill>
+            </a:endParaRPr>
+          </a:p>
+        </p:txBody>
+      </p:sp>
     </p:spTree>
   </p:cSld>
   <p:clrMapOvr>
@@ -16969,6 +17059,51 @@
           </a:p>
         </p:txBody>
       </p:sp>
+      <p:sp>
+        <p:nvSpPr>
+          <p:cNvPr id="14" name="Tekstvak 58">
+            <a:extLst>
+              <a:ext uri="{FF2B5EF4-FFF2-40B4-BE49-F238E27FC236}">
+                <a16:creationId xmlns:a16="http://schemas.microsoft.com/office/drawing/2014/main" id="{96121EA6-4CB1-4348-B0C1-415300E6EF3B}"/>
+              </a:ext>
+            </a:extLst>
+          </p:cNvPr>
+          <p:cNvSpPr txBox="1"/>
+          <p:nvPr/>
+        </p:nvSpPr>
+        <p:spPr>
+          <a:xfrm rot="16200000">
+            <a:off x="3968637" y="5917507"/>
+            <a:ext cx="1401783" cy="379510"/>
+          </a:xfrm>
+          <a:prstGeom prst="rect">
+            <a:avLst/>
+          </a:prstGeom>
+          <a:noFill/>
+        </p:spPr>
+        <p:txBody>
+          <a:bodyPr wrap="square" tIns="0" bIns="280800" rtlCol="0" anchor="b" anchorCtr="0">
+            <a:spAutoFit/>
+          </a:bodyPr>
+          <a:lstStyle/>
+          <a:p>
+            <a:pPr algn="r"/>
+            <a:r>
+              <a:rPr lang="en-US" sz="600" dirty="0" err="1">
+                <a:solidFill>
+                  <a:srgbClr val="F26882"/>
+                </a:solidFill>
+              </a:rPr>
+              <a:t>yyyymmdd</a:t>
+            </a:r>
+            <a:endParaRPr lang="en-US" sz="600" dirty="0">
+              <a:solidFill>
+                <a:srgbClr val="F26882"/>
+              </a:solidFill>
+            </a:endParaRPr>
+          </a:p>
+        </p:txBody>
+      </p:sp>
     </p:spTree>
   </p:cSld>
   <p:clrMapOvr>
@@ -19570,6 +19705,51 @@
           </a:p>
         </p:txBody>
       </p:sp>
+      <p:sp>
+        <p:nvSpPr>
+          <p:cNvPr id="17" name="Tekstvak 58">
+            <a:extLst>
+              <a:ext uri="{FF2B5EF4-FFF2-40B4-BE49-F238E27FC236}">
+                <a16:creationId xmlns:a16="http://schemas.microsoft.com/office/drawing/2014/main" id="{570B99BF-08A9-4510-A2E8-E12840B6A884}"/>
+              </a:ext>
+            </a:extLst>
+          </p:cNvPr>
+          <p:cNvSpPr txBox="1"/>
+          <p:nvPr/>
+        </p:nvSpPr>
+        <p:spPr>
+          <a:xfrm rot="16200000">
+            <a:off x="3968637" y="5917507"/>
+            <a:ext cx="1401783" cy="379510"/>
+          </a:xfrm>
+          <a:prstGeom prst="rect">
+            <a:avLst/>
+          </a:prstGeom>
+          <a:noFill/>
+        </p:spPr>
+        <p:txBody>
+          <a:bodyPr wrap="square" tIns="0" bIns="280800" rtlCol="0" anchor="b" anchorCtr="0">
+            <a:spAutoFit/>
+          </a:bodyPr>
+          <a:lstStyle/>
+          <a:p>
+            <a:pPr algn="r"/>
+            <a:r>
+              <a:rPr lang="en-US" sz="600" dirty="0" err="1">
+                <a:solidFill>
+                  <a:srgbClr val="F26882"/>
+                </a:solidFill>
+              </a:rPr>
+              <a:t>yyyymmdd</a:t>
+            </a:r>
+            <a:endParaRPr lang="en-US" sz="600" dirty="0">
+              <a:solidFill>
+                <a:srgbClr val="F26882"/>
+              </a:solidFill>
+            </a:endParaRPr>
+          </a:p>
+        </p:txBody>
+      </p:sp>
     </p:spTree>
   </p:cSld>
   <p:clrMapOvr>
@@ -32117,6 +32297,51 @@
           </a:p>
         </p:txBody>
       </p:sp>
+      <p:sp>
+        <p:nvSpPr>
+          <p:cNvPr id="15" name="Tekstvak 58">
+            <a:extLst>
+              <a:ext uri="{FF2B5EF4-FFF2-40B4-BE49-F238E27FC236}">
+                <a16:creationId xmlns:a16="http://schemas.microsoft.com/office/drawing/2014/main" id="{87A76C14-B9F5-40D3-A6AE-5D59A058BD25}"/>
+              </a:ext>
+            </a:extLst>
+          </p:cNvPr>
+          <p:cNvSpPr txBox="1"/>
+          <p:nvPr/>
+        </p:nvSpPr>
+        <p:spPr>
+          <a:xfrm rot="16200000">
+            <a:off x="3968637" y="5917507"/>
+            <a:ext cx="1401783" cy="379510"/>
+          </a:xfrm>
+          <a:prstGeom prst="rect">
+            <a:avLst/>
+          </a:prstGeom>
+          <a:noFill/>
+        </p:spPr>
+        <p:txBody>
+          <a:bodyPr wrap="square" tIns="0" bIns="280800" rtlCol="0" anchor="b" anchorCtr="0">
+            <a:spAutoFit/>
+          </a:bodyPr>
+          <a:lstStyle/>
+          <a:p>
+            <a:pPr algn="r"/>
+            <a:r>
+              <a:rPr lang="en-US" sz="600" dirty="0" err="1">
+                <a:solidFill>
+                  <a:srgbClr val="F26882"/>
+                </a:solidFill>
+              </a:rPr>
+              <a:t>yyyymmdd</a:t>
+            </a:r>
+            <a:endParaRPr lang="en-US" sz="600" dirty="0">
+              <a:solidFill>
+                <a:srgbClr val="F26882"/>
+              </a:solidFill>
+            </a:endParaRPr>
+          </a:p>
+        </p:txBody>
+      </p:sp>
     </p:spTree>
   </p:cSld>
   <p:clrMapOvr>
@@ -34833,6 +35058,51 @@
           </a:p>
         </p:txBody>
       </p:sp>
+      <p:sp>
+        <p:nvSpPr>
+          <p:cNvPr id="16" name="Tekstvak 58">
+            <a:extLst>
+              <a:ext uri="{FF2B5EF4-FFF2-40B4-BE49-F238E27FC236}">
+                <a16:creationId xmlns:a16="http://schemas.microsoft.com/office/drawing/2014/main" id="{670846F5-3B94-4C34-99E0-63E7A10EF443}"/>
+              </a:ext>
+            </a:extLst>
+          </p:cNvPr>
+          <p:cNvSpPr txBox="1"/>
+          <p:nvPr/>
+        </p:nvSpPr>
+        <p:spPr>
+          <a:xfrm rot="16200000">
+            <a:off x="3968637" y="5917507"/>
+            <a:ext cx="1401783" cy="379510"/>
+          </a:xfrm>
+          <a:prstGeom prst="rect">
+            <a:avLst/>
+          </a:prstGeom>
+          <a:noFill/>
+        </p:spPr>
+        <p:txBody>
+          <a:bodyPr wrap="square" tIns="0" bIns="280800" rtlCol="0" anchor="b" anchorCtr="0">
+            <a:spAutoFit/>
+          </a:bodyPr>
+          <a:lstStyle/>
+          <a:p>
+            <a:pPr algn="r"/>
+            <a:r>
+              <a:rPr lang="en-US" sz="600" dirty="0" err="1">
+                <a:solidFill>
+                  <a:srgbClr val="F26882"/>
+                </a:solidFill>
+              </a:rPr>
+              <a:t>yyyymmdd</a:t>
+            </a:r>
+            <a:endParaRPr lang="en-US" sz="600" dirty="0">
+              <a:solidFill>
+                <a:srgbClr val="F26882"/>
+              </a:solidFill>
+            </a:endParaRPr>
+          </a:p>
+        </p:txBody>
+      </p:sp>
     </p:spTree>
   </p:cSld>
   <p:clrMapOvr>
@@ -37669,6 +37939,51 @@
           </a:p>
         </p:txBody>
       </p:sp>
+      <p:sp>
+        <p:nvSpPr>
+          <p:cNvPr id="16" name="Tekstvak 58">
+            <a:extLst>
+              <a:ext uri="{FF2B5EF4-FFF2-40B4-BE49-F238E27FC236}">
+                <a16:creationId xmlns:a16="http://schemas.microsoft.com/office/drawing/2014/main" id="{25171CD6-5D3E-4257-955F-3035E6134F44}"/>
+              </a:ext>
+            </a:extLst>
+          </p:cNvPr>
+          <p:cNvSpPr txBox="1"/>
+          <p:nvPr/>
+        </p:nvSpPr>
+        <p:spPr>
+          <a:xfrm rot="16200000">
+            <a:off x="3968637" y="5917507"/>
+            <a:ext cx="1401783" cy="379510"/>
+          </a:xfrm>
+          <a:prstGeom prst="rect">
+            <a:avLst/>
+          </a:prstGeom>
+          <a:noFill/>
+        </p:spPr>
+        <p:txBody>
+          <a:bodyPr wrap="square" tIns="0" bIns="280800" rtlCol="0" anchor="b" anchorCtr="0">
+            <a:spAutoFit/>
+          </a:bodyPr>
+          <a:lstStyle/>
+          <a:p>
+            <a:pPr algn="r"/>
+            <a:r>
+              <a:rPr lang="en-US" sz="600" dirty="0" err="1">
+                <a:solidFill>
+                  <a:srgbClr val="F26882"/>
+                </a:solidFill>
+              </a:rPr>
+              <a:t>yyyymmdd</a:t>
+            </a:r>
+            <a:endParaRPr lang="en-US" sz="600" dirty="0">
+              <a:solidFill>
+                <a:srgbClr val="F26882"/>
+              </a:solidFill>
+            </a:endParaRPr>
+          </a:p>
+        </p:txBody>
+      </p:sp>
     </p:spTree>
   </p:cSld>
   <p:clrMapOvr>
@@ -41293,6 +41608,51 @@
           <a:lstStyle/>
           <a:p>
             <a:endParaRPr/>
+          </a:p>
+        </p:txBody>
+      </p:sp>
+      <p:sp>
+        <p:nvSpPr>
+          <p:cNvPr id="29" name="Tekstvak 58">
+            <a:extLst>
+              <a:ext uri="{FF2B5EF4-FFF2-40B4-BE49-F238E27FC236}">
+                <a16:creationId xmlns:a16="http://schemas.microsoft.com/office/drawing/2014/main" id="{24D81157-A8CB-4CA6-A363-650B68DFA411}"/>
+              </a:ext>
+            </a:extLst>
+          </p:cNvPr>
+          <p:cNvSpPr txBox="1"/>
+          <p:nvPr/>
+        </p:nvSpPr>
+        <p:spPr>
+          <a:xfrm rot="16200000">
+            <a:off x="3968637" y="5917507"/>
+            <a:ext cx="1401783" cy="379510"/>
+          </a:xfrm>
+          <a:prstGeom prst="rect">
+            <a:avLst/>
+          </a:prstGeom>
+          <a:noFill/>
+        </p:spPr>
+        <p:txBody>
+          <a:bodyPr wrap="square" tIns="0" bIns="280800" rtlCol="0" anchor="b" anchorCtr="0">
+            <a:spAutoFit/>
+          </a:bodyPr>
+          <a:lstStyle/>
+          <a:p>
+            <a:pPr algn="r"/>
+            <a:r>
+              <a:rPr lang="en-US" sz="600" dirty="0" err="1">
+                <a:solidFill>
+                  <a:srgbClr val="F26882"/>
+                </a:solidFill>
+              </a:rPr>
+              <a:t>yyyymmdd</a:t>
+            </a:r>
+            <a:endParaRPr lang="en-US" sz="600" dirty="0">
+              <a:solidFill>
+                <a:srgbClr val="F26882"/>
+              </a:solidFill>
+            </a:endParaRPr>
           </a:p>
         </p:txBody>
       </p:sp>
